--- a/images/images.pptx
+++ b/images/images.pptx
@@ -290,7 +290,7 @@
           <a:p>
             <a:fld id="{6242832C-3AE1-2144-AFB9-F482018C79A5}" type="datetimeFigureOut">
               <a:rPr lang="en-US" smtClean="0"/>
-              <a:t>6/12/19</a:t>
+              <a:t>6/13/19</a:t>
             </a:fld>
             <a:endParaRPr lang="en-US"/>
           </a:p>
@@ -460,7 +460,7 @@
           <a:p>
             <a:fld id="{6242832C-3AE1-2144-AFB9-F482018C79A5}" type="datetimeFigureOut">
               <a:rPr lang="en-US" smtClean="0"/>
-              <a:t>6/12/19</a:t>
+              <a:t>6/13/19</a:t>
             </a:fld>
             <a:endParaRPr lang="en-US"/>
           </a:p>
@@ -640,7 +640,7 @@
           <a:p>
             <a:fld id="{6242832C-3AE1-2144-AFB9-F482018C79A5}" type="datetimeFigureOut">
               <a:rPr lang="en-US" smtClean="0"/>
-              <a:t>6/12/19</a:t>
+              <a:t>6/13/19</a:t>
             </a:fld>
             <a:endParaRPr lang="en-US"/>
           </a:p>
@@ -810,7 +810,7 @@
           <a:p>
             <a:fld id="{6242832C-3AE1-2144-AFB9-F482018C79A5}" type="datetimeFigureOut">
               <a:rPr lang="en-US" smtClean="0"/>
-              <a:t>6/12/19</a:t>
+              <a:t>6/13/19</a:t>
             </a:fld>
             <a:endParaRPr lang="en-US"/>
           </a:p>
@@ -1056,7 +1056,7 @@
           <a:p>
             <a:fld id="{6242832C-3AE1-2144-AFB9-F482018C79A5}" type="datetimeFigureOut">
               <a:rPr lang="en-US" smtClean="0"/>
-              <a:t>6/12/19</a:t>
+              <a:t>6/13/19</a:t>
             </a:fld>
             <a:endParaRPr lang="en-US"/>
           </a:p>
@@ -1344,7 +1344,7 @@
           <a:p>
             <a:fld id="{6242832C-3AE1-2144-AFB9-F482018C79A5}" type="datetimeFigureOut">
               <a:rPr lang="en-US" smtClean="0"/>
-              <a:t>6/12/19</a:t>
+              <a:t>6/13/19</a:t>
             </a:fld>
             <a:endParaRPr lang="en-US"/>
           </a:p>
@@ -1766,7 +1766,7 @@
           <a:p>
             <a:fld id="{6242832C-3AE1-2144-AFB9-F482018C79A5}" type="datetimeFigureOut">
               <a:rPr lang="en-US" smtClean="0"/>
-              <a:t>6/12/19</a:t>
+              <a:t>6/13/19</a:t>
             </a:fld>
             <a:endParaRPr lang="en-US"/>
           </a:p>
@@ -1884,7 +1884,7 @@
           <a:p>
             <a:fld id="{6242832C-3AE1-2144-AFB9-F482018C79A5}" type="datetimeFigureOut">
               <a:rPr lang="en-US" smtClean="0"/>
-              <a:t>6/12/19</a:t>
+              <a:t>6/13/19</a:t>
             </a:fld>
             <a:endParaRPr lang="en-US"/>
           </a:p>
@@ -1979,7 +1979,7 @@
           <a:p>
             <a:fld id="{6242832C-3AE1-2144-AFB9-F482018C79A5}" type="datetimeFigureOut">
               <a:rPr lang="en-US" smtClean="0"/>
-              <a:t>6/12/19</a:t>
+              <a:t>6/13/19</a:t>
             </a:fld>
             <a:endParaRPr lang="en-US"/>
           </a:p>
@@ -2256,7 +2256,7 @@
           <a:p>
             <a:fld id="{6242832C-3AE1-2144-AFB9-F482018C79A5}" type="datetimeFigureOut">
               <a:rPr lang="en-US" smtClean="0"/>
-              <a:t>6/12/19</a:t>
+              <a:t>6/13/19</a:t>
             </a:fld>
             <a:endParaRPr lang="en-US"/>
           </a:p>
@@ -2509,7 +2509,7 @@
           <a:p>
             <a:fld id="{6242832C-3AE1-2144-AFB9-F482018C79A5}" type="datetimeFigureOut">
               <a:rPr lang="en-US" smtClean="0"/>
-              <a:t>6/12/19</a:t>
+              <a:t>6/13/19</a:t>
             </a:fld>
             <a:endParaRPr lang="en-US"/>
           </a:p>
@@ -2722,7 +2722,7 @@
           <a:p>
             <a:fld id="{6242832C-3AE1-2144-AFB9-F482018C79A5}" type="datetimeFigureOut">
               <a:rPr lang="en-US" smtClean="0"/>
-              <a:t>6/12/19</a:t>
+              <a:t>6/13/19</a:t>
             </a:fld>
             <a:endParaRPr lang="en-US"/>
           </a:p>
@@ -5806,7 +5806,7 @@
         </p:blipFill>
         <p:spPr>
           <a:xfrm>
-            <a:off x="0" y="1705470"/>
+            <a:off x="0" y="1777620"/>
             <a:ext cx="5544565" cy="1151730"/>
           </a:xfrm>
           <a:prstGeom prst="rect">
@@ -5822,8 +5822,8 @@
         </p:nvSpPr>
         <p:spPr>
           <a:xfrm>
-            <a:off x="2626477" y="1330290"/>
-            <a:ext cx="6142827" cy="1323439"/>
+            <a:off x="1807102" y="887552"/>
+            <a:ext cx="7280734" cy="1554272"/>
           </a:xfrm>
           <a:prstGeom prst="rect">
             <a:avLst/>
@@ -5837,27 +5837,64 @@
           <a:lstStyle/>
           <a:p>
             <a:r>
-              <a:rPr lang="en-US" sz="4000" b="1" dirty="0" smtClean="0">
+              <a:rPr lang="en-US" sz="5400" dirty="0" smtClean="0">
+                <a:solidFill>
+                  <a:schemeClr val="tx2"/>
+                </a:solidFill>
+                <a:latin typeface="Arial Black"/>
+                <a:cs typeface="Arial Black"/>
+              </a:rPr>
+              <a:t>F</a:t>
+            </a:r>
+            <a:r>
+              <a:rPr lang="en-US" sz="3600" dirty="0" smtClean="0">
+                <a:solidFill>
+                  <a:schemeClr val="tx2"/>
+                </a:solidFill>
+                <a:latin typeface="Arial Black"/>
+                <a:cs typeface="Arial Black"/>
+              </a:rPr>
+              <a:t>UNWAVE-TVD WORKSHOP</a:t>
+            </a:r>
+          </a:p>
+          <a:p>
+            <a:pPr>
+              <a:spcBef>
+                <a:spcPts val="600"/>
+              </a:spcBef>
+            </a:pPr>
+            <a:r>
+              <a:rPr lang="en-US" sz="3600" b="1" dirty="0" smtClean="0">
                 <a:solidFill>
                   <a:schemeClr val="tx2"/>
                 </a:solidFill>
               </a:rPr>
-              <a:t>FUNWAVE-TVD WORKSHOP</a:t>
-            </a:r>
-          </a:p>
-          <a:p>
-            <a:r>
-              <a:rPr lang="en-US" sz="4000" b="1" dirty="0" smtClean="0">
+              <a:t>                                          </a:t>
+            </a:r>
+            <a:r>
+              <a:rPr lang="en-US" sz="3600" b="1" dirty="0" smtClean="0">
                 <a:solidFill>
                   <a:schemeClr val="tx2"/>
                 </a:solidFill>
               </a:rPr>
-              <a:t>                                          2019</a:t>
-            </a:r>
-            <a:endParaRPr lang="en-US" sz="4000" b="1" dirty="0">
+              <a:t>             </a:t>
+            </a:r>
+            <a:r>
+              <a:rPr lang="en-US" sz="3600" b="1" dirty="0" smtClean="0">
+                <a:solidFill>
+                  <a:schemeClr val="tx2"/>
+                </a:solidFill>
+                <a:latin typeface="Arial Black"/>
+                <a:cs typeface="Arial Black"/>
+              </a:rPr>
+              <a:t>2019</a:t>
+            </a:r>
+            <a:endParaRPr lang="en-US" sz="3600" b="1" dirty="0">
               <a:solidFill>
                 <a:schemeClr val="tx2"/>
               </a:solidFill>
+              <a:latin typeface="Arial Black"/>
+              <a:cs typeface="Arial Black"/>
             </a:endParaRPr>
           </a:p>
         </p:txBody>
@@ -5870,15 +5907,15 @@
         </p:nvCxnSpPr>
         <p:spPr>
           <a:xfrm>
-            <a:off x="0" y="2900490"/>
-            <a:ext cx="8769304" cy="0"/>
+            <a:off x="0" y="3030360"/>
+            <a:ext cx="8932191" cy="0"/>
           </a:xfrm>
           <a:prstGeom prst="line">
             <a:avLst/>
           </a:prstGeom>
           <a:ln w="3175" cmpd="sng">
             <a:solidFill>
-              <a:schemeClr val="tx2"/>
+              <a:schemeClr val="tx1"/>
             </a:solidFill>
           </a:ln>
         </p:spPr>
@@ -5905,8 +5942,8 @@
         </p:nvSpPr>
         <p:spPr>
           <a:xfrm>
-            <a:off x="2366703" y="2874560"/>
-            <a:ext cx="4198548" cy="307777"/>
+            <a:off x="5007576" y="2658110"/>
+            <a:ext cx="4044697" cy="307777"/>
           </a:xfrm>
           <a:prstGeom prst="rect">
             <a:avLst/>
@@ -5924,14 +5961,28 @@
                 <a:solidFill>
                   <a:srgbClr val="1F497D"/>
                 </a:solidFill>
+                <a:latin typeface="Times"/>
+                <a:cs typeface="Times"/>
               </a:rPr>
-              <a:t>October 18-20, 2019   </a:t>
+              <a:t>Oct. </a:t>
+            </a:r>
+            <a:r>
+              <a:rPr lang="en-US" sz="1400" dirty="0" smtClean="0">
+                <a:solidFill>
+                  <a:srgbClr val="1F497D"/>
+                </a:solidFill>
+                <a:latin typeface="Times"/>
+                <a:cs typeface="Times"/>
+              </a:rPr>
+              <a:t>18-20, 2019   </a:t>
             </a:r>
             <a:r>
               <a:rPr lang="en-US" sz="1400" dirty="0" err="1" smtClean="0">
                 <a:solidFill>
                   <a:srgbClr val="1F497D"/>
                 </a:solidFill>
+                <a:latin typeface="Times"/>
+                <a:cs typeface="Times"/>
               </a:rPr>
               <a:t>Hohai</a:t>
             </a:r>
@@ -5940,6 +5991,8 @@
                 <a:solidFill>
                   <a:srgbClr val="1F497D"/>
                 </a:solidFill>
+                <a:latin typeface="Times"/>
+                <a:cs typeface="Times"/>
               </a:rPr>
               <a:t> University,  Nanjing, China</a:t>
             </a:r>
@@ -5947,6 +6000,8 @@
               <a:solidFill>
                 <a:srgbClr val="1F497D"/>
               </a:solidFill>
+              <a:latin typeface="Times"/>
+              <a:cs typeface="Times"/>
             </a:endParaRPr>
           </a:p>
         </p:txBody>
@@ -5960,20 +6015,20 @@
           <p:nvPr>
             <p:extLst>
               <p:ext uri="{D42A27DB-BD31-4B8C-83A1-F6EECF244321}">
-                <p14:modId xmlns:p14="http://schemas.microsoft.com/office/powerpoint/2010/main" val="3641851276"/>
+                <p14:modId xmlns:p14="http://schemas.microsoft.com/office/powerpoint/2010/main" val="1185418407"/>
               </p:ext>
             </p:extLst>
           </p:nvPr>
         </p:nvGraphicFramePr>
         <p:xfrm>
-          <a:off x="3958391" y="2958217"/>
+          <a:off x="6325114" y="2767517"/>
           <a:ext cx="101600" cy="155623"/>
         </p:xfrm>
         <a:graphic>
           <a:graphicData uri="http://schemas.openxmlformats.org/presentationml/2006/ole">
             <mc:AlternateContent xmlns:mc="http://schemas.openxmlformats.org/markup-compatibility/2006">
               <mc:Choice xmlns:v="urn:schemas-microsoft-com:vml" Requires="v">
-                <p:oleObj spid="_x0000_s1028" name="Equation" r:id="rId4" imgW="101600" imgH="139700" progId="Equation.3">
+                <p:oleObj spid="_x0000_s1038" name="Equation" r:id="rId4" imgW="101600" imgH="139700" progId="Equation.3">
                   <p:embed/>
                 </p:oleObj>
               </mc:Choice>
@@ -5994,7 +6049,7 @@
                     </p:blipFill>
                     <p:spPr>
                       <a:xfrm>
-                        <a:off x="3958391" y="2958217"/>
+                        <a:off x="6325114" y="2767517"/>
                         <a:ext cx="101600" cy="155623"/>
                       </a:xfrm>
                       <a:prstGeom prst="rect">
